--- a/씨젠/2 step framework(초안).pptx
+++ b/씨젠/2 step framework(초안).pptx
@@ -250,7 +250,7 @@
           <a:p>
             <a:fld id="{B9714D77-B8AF-4889-9108-4276AC1AB1BE}" type="datetimeFigureOut">
               <a:rPr lang="ko-KR" altLang="en-US" smtClean="0"/>
-              <a:t>2023-01-19</a:t>
+              <a:t>2023-01-22</a:t>
             </a:fld>
             <a:endParaRPr lang="ko-KR" altLang="en-US"/>
           </a:p>
@@ -897,6 +897,28 @@
           <a:bodyPr/>
           <a:lstStyle/>
           <a:p>
+            <a:r>
+              <a:rPr lang="en-US" altLang="ko-KR" dirty="0"/>
+              <a:t>Prior probability shift </a:t>
+            </a:r>
+            <a:r>
+              <a:rPr lang="ko-KR" altLang="en-US" dirty="0"/>
+              <a:t>가 발생할 시 성능이 악화된다는 자료 조사 꾸준히 하기</a:t>
+            </a:r>
+            <a:r>
+              <a:rPr lang="en-US" altLang="ko-KR" dirty="0"/>
+              <a:t>. </a:t>
+            </a:r>
+          </a:p>
+          <a:p>
+            <a:r>
+              <a:rPr lang="ko-KR" altLang="en-US" dirty="0"/>
+              <a:t>진짜 찾기 어려운 </a:t>
+            </a:r>
+            <a:r>
+              <a:rPr lang="ko-KR" altLang="en-US" dirty="0" err="1"/>
+              <a:t>듯ㅠ</a:t>
+            </a:r>
             <a:endParaRPr lang="ko-KR" altLang="en-US" dirty="0"/>
           </a:p>
         </p:txBody>
@@ -2428,7 +2450,7 @@
           <a:p>
             <a:fld id="{711ADB4A-3A8B-4072-ACF2-B9A64CC5A17A}" type="datetimeFigureOut">
               <a:rPr lang="ko-KR" altLang="en-US" smtClean="0"/>
-              <a:t>2023-01-19</a:t>
+              <a:t>2023-01-22</a:t>
             </a:fld>
             <a:endParaRPr lang="ko-KR" altLang="en-US"/>
           </a:p>
@@ -2716,7 +2738,7 @@
           <a:p>
             <a:fld id="{711ADB4A-3A8B-4072-ACF2-B9A64CC5A17A}" type="datetimeFigureOut">
               <a:rPr lang="ko-KR" altLang="en-US" smtClean="0"/>
-              <a:t>2023-01-19</a:t>
+              <a:t>2023-01-22</a:t>
             </a:fld>
             <a:endParaRPr lang="ko-KR" altLang="en-US"/>
           </a:p>
@@ -2914,7 +2936,7 @@
           <a:p>
             <a:fld id="{711ADB4A-3A8B-4072-ACF2-B9A64CC5A17A}" type="datetimeFigureOut">
               <a:rPr lang="ko-KR" altLang="en-US" smtClean="0"/>
-              <a:t>2023-01-19</a:t>
+              <a:t>2023-01-22</a:t>
             </a:fld>
             <a:endParaRPr lang="ko-KR" altLang="en-US"/>
           </a:p>
@@ -3122,7 +3144,7 @@
           <a:p>
             <a:fld id="{711ADB4A-3A8B-4072-ACF2-B9A64CC5A17A}" type="datetimeFigureOut">
               <a:rPr lang="ko-KR" altLang="en-US" smtClean="0"/>
-              <a:t>2023-01-19</a:t>
+              <a:t>2023-01-22</a:t>
             </a:fld>
             <a:endParaRPr lang="ko-KR" altLang="en-US"/>
           </a:p>
@@ -3320,7 +3342,7 @@
           <a:p>
             <a:fld id="{711ADB4A-3A8B-4072-ACF2-B9A64CC5A17A}" type="datetimeFigureOut">
               <a:rPr lang="ko-KR" altLang="en-US" smtClean="0"/>
-              <a:t>2023-01-19</a:t>
+              <a:t>2023-01-22</a:t>
             </a:fld>
             <a:endParaRPr lang="ko-KR" altLang="en-US"/>
           </a:p>
@@ -3595,7 +3617,7 @@
           <a:p>
             <a:fld id="{711ADB4A-3A8B-4072-ACF2-B9A64CC5A17A}" type="datetimeFigureOut">
               <a:rPr lang="ko-KR" altLang="en-US" smtClean="0"/>
-              <a:t>2023-01-19</a:t>
+              <a:t>2023-01-22</a:t>
             </a:fld>
             <a:endParaRPr lang="ko-KR" altLang="en-US"/>
           </a:p>
@@ -3860,7 +3882,7 @@
           <a:p>
             <a:fld id="{711ADB4A-3A8B-4072-ACF2-B9A64CC5A17A}" type="datetimeFigureOut">
               <a:rPr lang="ko-KR" altLang="en-US" smtClean="0"/>
-              <a:t>2023-01-19</a:t>
+              <a:t>2023-01-22</a:t>
             </a:fld>
             <a:endParaRPr lang="ko-KR" altLang="en-US"/>
           </a:p>
@@ -4272,7 +4294,7 @@
           <a:p>
             <a:fld id="{711ADB4A-3A8B-4072-ACF2-B9A64CC5A17A}" type="datetimeFigureOut">
               <a:rPr lang="ko-KR" altLang="en-US" smtClean="0"/>
-              <a:t>2023-01-19</a:t>
+              <a:t>2023-01-22</a:t>
             </a:fld>
             <a:endParaRPr lang="ko-KR" altLang="en-US"/>
           </a:p>
@@ -4413,7 +4435,7 @@
           <a:p>
             <a:fld id="{711ADB4A-3A8B-4072-ACF2-B9A64CC5A17A}" type="datetimeFigureOut">
               <a:rPr lang="ko-KR" altLang="en-US" smtClean="0"/>
-              <a:t>2023-01-19</a:t>
+              <a:t>2023-01-22</a:t>
             </a:fld>
             <a:endParaRPr lang="ko-KR" altLang="en-US"/>
           </a:p>
@@ -4526,7 +4548,7 @@
           <a:p>
             <a:fld id="{711ADB4A-3A8B-4072-ACF2-B9A64CC5A17A}" type="datetimeFigureOut">
               <a:rPr lang="ko-KR" altLang="en-US" smtClean="0"/>
-              <a:t>2023-01-19</a:t>
+              <a:t>2023-01-22</a:t>
             </a:fld>
             <a:endParaRPr lang="ko-KR" altLang="en-US"/>
           </a:p>
@@ -4728,7 +4750,7 @@
           <a:p>
             <a:fld id="{711ADB4A-3A8B-4072-ACF2-B9A64CC5A17A}" type="datetimeFigureOut">
               <a:rPr lang="ko-KR" altLang="en-US" smtClean="0"/>
-              <a:t>2023-01-19</a:t>
+              <a:t>2023-01-22</a:t>
             </a:fld>
             <a:endParaRPr lang="ko-KR" altLang="en-US"/>
           </a:p>
@@ -5039,7 +5061,7 @@
           <a:p>
             <a:fld id="{711ADB4A-3A8B-4072-ACF2-B9A64CC5A17A}" type="datetimeFigureOut">
               <a:rPr lang="ko-KR" altLang="en-US" smtClean="0"/>
-              <a:t>2023-01-19</a:t>
+              <a:t>2023-01-22</a:t>
             </a:fld>
             <a:endParaRPr lang="ko-KR" altLang="en-US"/>
           </a:p>
@@ -5280,7 +5302,7 @@
           <a:p>
             <a:fld id="{711ADB4A-3A8B-4072-ACF2-B9A64CC5A17A}" type="datetimeFigureOut">
               <a:rPr lang="ko-KR" altLang="en-US" smtClean="0"/>
-              <a:t>2023-01-19</a:t>
+              <a:t>2023-01-22</a:t>
             </a:fld>
             <a:endParaRPr lang="ko-KR" altLang="en-US"/>
           </a:p>
@@ -10694,7 +10716,7 @@
         <p:spPr>
           <a:xfrm>
             <a:off x="419019" y="1164209"/>
-            <a:ext cx="12847038" cy="4001095"/>
+            <a:ext cx="12847038" cy="4585871"/>
           </a:xfrm>
           <a:prstGeom prst="rect">
             <a:avLst/>
@@ -10711,15 +10733,35 @@
                 <a:latin typeface="나눔바른고딕" panose="020B0603020101020101" pitchFamily="50" charset="-127"/>
                 <a:ea typeface="나눔바른고딕" panose="020B0603020101020101" pitchFamily="50" charset="-127"/>
               </a:rPr>
-              <a:t>학습용 데이터와 실제 데이터 분포가 다를 때 모델의 성능이 악화될 수 있다</a:t>
+              <a:t>학습용 데이터와 실제 데이터 분포가 다를 때</a:t>
             </a:r>
             <a:r>
               <a:rPr lang="en-US" altLang="ko-KR" sz="2000" dirty="0">
                 <a:latin typeface="나눔바른고딕" panose="020B0603020101020101" pitchFamily="50" charset="-127"/>
                 <a:ea typeface="나눔바른고딕" panose="020B0603020101020101" pitchFamily="50" charset="-127"/>
               </a:rPr>
+              <a:t>(Dataset shift)</a:t>
+            </a:r>
+            <a:r>
+              <a:rPr lang="ko-KR" altLang="en-US" sz="2000" dirty="0">
+                <a:latin typeface="나눔바른고딕" panose="020B0603020101020101" pitchFamily="50" charset="-127"/>
+                <a:ea typeface="나눔바른고딕" panose="020B0603020101020101" pitchFamily="50" charset="-127"/>
+              </a:rPr>
+              <a:t> 모델의 성능이 악화될 수 있다</a:t>
+            </a:r>
+            <a:r>
+              <a:rPr lang="en-US" altLang="ko-KR" sz="2000" dirty="0">
+                <a:latin typeface="나눔바른고딕" panose="020B0603020101020101" pitchFamily="50" charset="-127"/>
+                <a:ea typeface="나눔바른고딕" panose="020B0603020101020101" pitchFamily="50" charset="-127"/>
+              </a:rPr>
               <a:t>.</a:t>
             </a:r>
+          </a:p>
+          <a:p>
+            <a:endParaRPr lang="en-US" altLang="ko-KR" sz="2000" dirty="0">
+              <a:latin typeface="나눔바른고딕" panose="020B0603020101020101" pitchFamily="50" charset="-127"/>
+              <a:ea typeface="나눔바른고딕" panose="020B0603020101020101" pitchFamily="50" charset="-127"/>
+            </a:endParaRPr>
           </a:p>
           <a:p>
             <a:pPr marL="342900" indent="-342900">
@@ -10727,240 +10769,52 @@
               <a:buChar char="•"/>
             </a:pPr>
             <a:r>
+              <a:rPr lang="en-US" altLang="ko-KR" dirty="0">
+                <a:latin typeface="나눔바른고딕" panose="020B0603020101020101" pitchFamily="50" charset="-127"/>
+                <a:ea typeface="나눔바른고딕" panose="020B0603020101020101" pitchFamily="50" charset="-127"/>
+              </a:rPr>
+              <a:t>Dataset shift</a:t>
+            </a:r>
+            <a:r>
               <a:rPr lang="ko-KR" altLang="en-US" dirty="0">
                 <a:latin typeface="나눔바른고딕" panose="020B0603020101020101" pitchFamily="50" charset="-127"/>
                 <a:ea typeface="나눔바른고딕" panose="020B0603020101020101" pitchFamily="50" charset="-127"/>
               </a:rPr>
-              <a:t>이런 상황을 </a:t>
+              <a:t>는 크게 </a:t>
             </a:r>
             <a:r>
               <a:rPr lang="en-US" altLang="ko-KR" dirty="0">
                 <a:latin typeface="나눔바른고딕" panose="020B0603020101020101" pitchFamily="50" charset="-127"/>
                 <a:ea typeface="나눔바른고딕" panose="020B0603020101020101" pitchFamily="50" charset="-127"/>
               </a:rPr>
-              <a:t>Dataset shift </a:t>
+              <a:t>3</a:t>
             </a:r>
             <a:r>
               <a:rPr lang="ko-KR" altLang="en-US" dirty="0">
                 <a:latin typeface="나눔바른고딕" panose="020B0603020101020101" pitchFamily="50" charset="-127"/>
                 <a:ea typeface="나눔바른고딕" panose="020B0603020101020101" pitchFamily="50" charset="-127"/>
               </a:rPr>
-              <a:t>중에서 </a:t>
+              <a:t>가지 분류로 나눌 수 있다</a:t>
             </a:r>
             <a:r>
               <a:rPr lang="en-US" altLang="ko-KR" dirty="0">
                 <a:latin typeface="나눔바른고딕" panose="020B0603020101020101" pitchFamily="50" charset="-127"/>
                 <a:ea typeface="나눔바른고딕" panose="020B0603020101020101" pitchFamily="50" charset="-127"/>
               </a:rPr>
-              <a:t>‘Prior</a:t>
-            </a:r>
-            <a:r>
-              <a:rPr lang="ko-KR" altLang="en-US" dirty="0">
-                <a:latin typeface="나눔바른고딕" panose="020B0603020101020101" pitchFamily="50" charset="-127"/>
-                <a:ea typeface="나눔바른고딕" panose="020B0603020101020101" pitchFamily="50" charset="-127"/>
-              </a:rPr>
-              <a:t> </a:t>
-            </a:r>
-            <a:r>
-              <a:rPr lang="en-US" altLang="ko-KR" dirty="0">
-                <a:latin typeface="나눔바른고딕" panose="020B0603020101020101" pitchFamily="50" charset="-127"/>
-                <a:ea typeface="나눔바른고딕" panose="020B0603020101020101" pitchFamily="50" charset="-127"/>
-              </a:rPr>
-              <a:t>probability shift‘ </a:t>
-            </a:r>
-            <a:r>
-              <a:rPr lang="ko-KR" altLang="en-US" dirty="0">
-                <a:latin typeface="나눔바른고딕" panose="020B0603020101020101" pitchFamily="50" charset="-127"/>
-                <a:ea typeface="나눔바른고딕" panose="020B0603020101020101" pitchFamily="50" charset="-127"/>
-              </a:rPr>
-              <a:t>상황에 해당된다</a:t>
-            </a:r>
-            <a:r>
-              <a:rPr lang="en-US" altLang="ko-KR" dirty="0">
-                <a:latin typeface="나눔바른고딕" panose="020B0603020101020101" pitchFamily="50" charset="-127"/>
-                <a:ea typeface="나눔바른고딕" panose="020B0603020101020101" pitchFamily="50" charset="-127"/>
-              </a:rPr>
-              <a:t>.  </a:t>
-            </a:r>
-          </a:p>
-          <a:p>
+              <a:t>. </a:t>
+            </a:r>
+          </a:p>
+          <a:p>
+            <a:pPr marL="342900" indent="-342900">
+              <a:buFont typeface="Arial" panose="020B0604020202020204" pitchFamily="34" charset="0"/>
+              <a:buChar char="•"/>
+            </a:pPr>
             <a:endParaRPr lang="ko-KR" altLang="en-US" dirty="0">
               <a:latin typeface="나눔바른고딕" panose="020B0603020101020101" pitchFamily="50" charset="-127"/>
               <a:ea typeface="나눔바른고딕" panose="020B0603020101020101" pitchFamily="50" charset="-127"/>
             </a:endParaRPr>
           </a:p>
           <a:p>
-            <a:pPr marL="742950" lvl="1" indent="-285750">
-              <a:buFont typeface="Arial" panose="020B0604020202020204" pitchFamily="34" charset="0"/>
-              <a:buChar char="•"/>
-            </a:pPr>
-            <a:r>
-              <a:rPr lang="en-US" altLang="ko-KR" dirty="0">
-                <a:latin typeface="나눔바른고딕" panose="020B0603020101020101" pitchFamily="50" charset="-127"/>
-                <a:ea typeface="나눔바른고딕" panose="020B0603020101020101" pitchFamily="50" charset="-127"/>
-              </a:rPr>
-              <a:t>D</a:t>
-            </a:r>
-            <a:r>
-              <a:rPr lang="ko-KR" altLang="en-US" dirty="0" err="1">
-                <a:latin typeface="나눔바른고딕" panose="020B0603020101020101" pitchFamily="50" charset="-127"/>
-                <a:ea typeface="나눔바른고딕" panose="020B0603020101020101" pitchFamily="50" charset="-127"/>
-              </a:rPr>
-              <a:t>ataset</a:t>
-            </a:r>
-            <a:r>
-              <a:rPr lang="ko-KR" altLang="en-US" dirty="0">
-                <a:latin typeface="나눔바른고딕" panose="020B0603020101020101" pitchFamily="50" charset="-127"/>
-                <a:ea typeface="나눔바른고딕" panose="020B0603020101020101" pitchFamily="50" charset="-127"/>
-              </a:rPr>
-              <a:t> </a:t>
-            </a:r>
-            <a:r>
-              <a:rPr lang="ko-KR" altLang="en-US" dirty="0" err="1">
-                <a:latin typeface="나눔바른고딕" panose="020B0603020101020101" pitchFamily="50" charset="-127"/>
-                <a:ea typeface="나눔바른고딕" panose="020B0603020101020101" pitchFamily="50" charset="-127"/>
-              </a:rPr>
-              <a:t>shift</a:t>
-            </a:r>
-            <a:r>
-              <a:rPr lang="ko-KR" altLang="en-US" dirty="0">
-                <a:latin typeface="나눔바른고딕" panose="020B0603020101020101" pitchFamily="50" charset="-127"/>
-                <a:ea typeface="나눔바른고딕" panose="020B0603020101020101" pitchFamily="50" charset="-127"/>
-              </a:rPr>
-              <a:t> </a:t>
-            </a:r>
-            <a:r>
-              <a:rPr lang="en-US" altLang="ko-KR" dirty="0">
-                <a:latin typeface="나눔바른고딕" panose="020B0603020101020101" pitchFamily="50" charset="-127"/>
-                <a:ea typeface="나눔바른고딕" panose="020B0603020101020101" pitchFamily="50" charset="-127"/>
-              </a:rPr>
-              <a:t>: </a:t>
-            </a:r>
-            <a:r>
-              <a:rPr lang="ko-KR" altLang="en-US" dirty="0" err="1">
-                <a:latin typeface="나눔바른고딕" panose="020B0603020101020101" pitchFamily="50" charset="-127"/>
-                <a:ea typeface="나눔바른고딕" panose="020B0603020101020101" pitchFamily="50" charset="-127"/>
-              </a:rPr>
-              <a:t>joint</a:t>
-            </a:r>
-            <a:r>
-              <a:rPr lang="ko-KR" altLang="en-US" dirty="0">
-                <a:latin typeface="나눔바른고딕" panose="020B0603020101020101" pitchFamily="50" charset="-127"/>
-                <a:ea typeface="나눔바른고딕" panose="020B0603020101020101" pitchFamily="50" charset="-127"/>
-              </a:rPr>
-              <a:t> </a:t>
-            </a:r>
-            <a:r>
-              <a:rPr lang="ko-KR" altLang="en-US" dirty="0" err="1">
-                <a:latin typeface="나눔바른고딕" panose="020B0603020101020101" pitchFamily="50" charset="-127"/>
-                <a:ea typeface="나눔바른고딕" panose="020B0603020101020101" pitchFamily="50" charset="-127"/>
-              </a:rPr>
-              <a:t>distribution</a:t>
-            </a:r>
-            <a:r>
-              <a:rPr lang="ko-KR" altLang="en-US" dirty="0">
-                <a:latin typeface="나눔바른고딕" panose="020B0603020101020101" pitchFamily="50" charset="-127"/>
-                <a:ea typeface="나눔바른고딕" panose="020B0603020101020101" pitchFamily="50" charset="-127"/>
-              </a:rPr>
-              <a:t> of </a:t>
-            </a:r>
-            <a:r>
-              <a:rPr lang="ko-KR" altLang="en-US" dirty="0" err="1">
-                <a:latin typeface="나눔바른고딕" panose="020B0603020101020101" pitchFamily="50" charset="-127"/>
-                <a:ea typeface="나눔바른고딕" panose="020B0603020101020101" pitchFamily="50" charset="-127"/>
-              </a:rPr>
-              <a:t>inputs</a:t>
-            </a:r>
-            <a:r>
-              <a:rPr lang="ko-KR" altLang="en-US" dirty="0">
-                <a:latin typeface="나눔바른고딕" panose="020B0603020101020101" pitchFamily="50" charset="-127"/>
-                <a:ea typeface="나눔바른고딕" panose="020B0603020101020101" pitchFamily="50" charset="-127"/>
-              </a:rPr>
-              <a:t> and </a:t>
-            </a:r>
-            <a:r>
-              <a:rPr lang="ko-KR" altLang="en-US" dirty="0" err="1">
-                <a:latin typeface="나눔바른고딕" panose="020B0603020101020101" pitchFamily="50" charset="-127"/>
-                <a:ea typeface="나눔바른고딕" panose="020B0603020101020101" pitchFamily="50" charset="-127"/>
-              </a:rPr>
-              <a:t>outputs</a:t>
-            </a:r>
-            <a:r>
-              <a:rPr lang="ko-KR" altLang="en-US" dirty="0">
-                <a:latin typeface="나눔바른고딕" panose="020B0603020101020101" pitchFamily="50" charset="-127"/>
-                <a:ea typeface="나눔바른고딕" panose="020B0603020101020101" pitchFamily="50" charset="-127"/>
-              </a:rPr>
-              <a:t> </a:t>
-            </a:r>
-            <a:r>
-              <a:rPr lang="ko-KR" altLang="en-US" dirty="0" err="1">
-                <a:latin typeface="나눔바른고딕" panose="020B0603020101020101" pitchFamily="50" charset="-127"/>
-                <a:ea typeface="나눔바른고딕" panose="020B0603020101020101" pitchFamily="50" charset="-127"/>
-              </a:rPr>
-              <a:t>differs</a:t>
-            </a:r>
-            <a:r>
-              <a:rPr lang="ko-KR" altLang="en-US" dirty="0">
-                <a:latin typeface="나눔바른고딕" panose="020B0603020101020101" pitchFamily="50" charset="-127"/>
-                <a:ea typeface="나눔바른고딕" panose="020B0603020101020101" pitchFamily="50" charset="-127"/>
-              </a:rPr>
-              <a:t> </a:t>
-            </a:r>
-            <a:r>
-              <a:rPr lang="ko-KR" altLang="en-US" dirty="0" err="1">
-                <a:latin typeface="나눔바른고딕" panose="020B0603020101020101" pitchFamily="50" charset="-127"/>
-                <a:ea typeface="나눔바른고딕" panose="020B0603020101020101" pitchFamily="50" charset="-127"/>
-              </a:rPr>
-              <a:t>between</a:t>
-            </a:r>
-            <a:r>
-              <a:rPr lang="ko-KR" altLang="en-US" dirty="0">
-                <a:latin typeface="나눔바른고딕" panose="020B0603020101020101" pitchFamily="50" charset="-127"/>
-                <a:ea typeface="나눔바른고딕" panose="020B0603020101020101" pitchFamily="50" charset="-127"/>
-              </a:rPr>
-              <a:t> </a:t>
-            </a:r>
-            <a:r>
-              <a:rPr lang="ko-KR" altLang="en-US" dirty="0" err="1">
-                <a:latin typeface="나눔바른고딕" panose="020B0603020101020101" pitchFamily="50" charset="-127"/>
-                <a:ea typeface="나눔바른고딕" panose="020B0603020101020101" pitchFamily="50" charset="-127"/>
-              </a:rPr>
-              <a:t>training</a:t>
-            </a:r>
-            <a:r>
-              <a:rPr lang="ko-KR" altLang="en-US" dirty="0">
-                <a:latin typeface="나눔바른고딕" panose="020B0603020101020101" pitchFamily="50" charset="-127"/>
-                <a:ea typeface="나눔바른고딕" panose="020B0603020101020101" pitchFamily="50" charset="-127"/>
-              </a:rPr>
-              <a:t> and </a:t>
-            </a:r>
-            <a:r>
-              <a:rPr lang="ko-KR" altLang="en-US" dirty="0" err="1">
-                <a:latin typeface="나눔바른고딕" panose="020B0603020101020101" pitchFamily="50" charset="-127"/>
-                <a:ea typeface="나눔바른고딕" panose="020B0603020101020101" pitchFamily="50" charset="-127"/>
-              </a:rPr>
-              <a:t>test</a:t>
-            </a:r>
-            <a:r>
-              <a:rPr lang="ko-KR" altLang="en-US" dirty="0">
-                <a:latin typeface="나눔바른고딕" panose="020B0603020101020101" pitchFamily="50" charset="-127"/>
-                <a:ea typeface="나눔바른고딕" panose="020B0603020101020101" pitchFamily="50" charset="-127"/>
-              </a:rPr>
-              <a:t> </a:t>
-            </a:r>
-            <a:r>
-              <a:rPr lang="ko-KR" altLang="en-US" dirty="0" err="1">
-                <a:latin typeface="나눔바른고딕" panose="020B0603020101020101" pitchFamily="50" charset="-127"/>
-                <a:ea typeface="나눔바른고딕" panose="020B0603020101020101" pitchFamily="50" charset="-127"/>
-              </a:rPr>
-              <a:t>stage</a:t>
-            </a:r>
-            <a:endParaRPr lang="ko-KR" altLang="en-US" dirty="0">
-              <a:latin typeface="나눔바른고딕" panose="020B0603020101020101" pitchFamily="50" charset="-127"/>
-              <a:ea typeface="나눔바른고딕" panose="020B0603020101020101" pitchFamily="50" charset="-127"/>
-            </a:endParaRPr>
-          </a:p>
-          <a:p>
             <a:pPr marL="1200150" lvl="2" indent="-285750">
               <a:buFont typeface="Arial" panose="020B0604020202020204" pitchFamily="34" charset="0"/>
               <a:buChar char="•"/>
@@ -10992,6 +10846,99 @@
                 <a:ea typeface="나눔바른고딕" panose="020B0603020101020101" pitchFamily="50" charset="-127"/>
               </a:rPr>
               <a:t> </a:t>
+            </a:r>
+            <a:r>
+              <a:rPr lang="en-US" altLang="ko-KR" dirty="0">
+                <a:latin typeface="나눔바른고딕" panose="020B0603020101020101" pitchFamily="50" charset="-127"/>
+                <a:ea typeface="나눔바른고딕" panose="020B0603020101020101" pitchFamily="50" charset="-127"/>
+              </a:rPr>
+              <a:t>: Independent variable X</a:t>
+            </a:r>
+            <a:r>
+              <a:rPr lang="ko-KR" altLang="en-US" dirty="0">
+                <a:latin typeface="나눔바른고딕" panose="020B0603020101020101" pitchFamily="50" charset="-127"/>
+                <a:ea typeface="나눔바른고딕" panose="020B0603020101020101" pitchFamily="50" charset="-127"/>
+              </a:rPr>
+              <a:t>의 분포가 바뀐 것</a:t>
+            </a:r>
+            <a:r>
+              <a:rPr lang="en-US" altLang="ko-KR" dirty="0">
+                <a:latin typeface="나눔바른고딕" panose="020B0603020101020101" pitchFamily="50" charset="-127"/>
+                <a:ea typeface="나눔바른고딕" panose="020B0603020101020101" pitchFamily="50" charset="-127"/>
+              </a:rPr>
+              <a:t> </a:t>
+            </a:r>
+          </a:p>
+          <a:p>
+            <a:pPr marL="1657350" lvl="3" indent="-285750">
+              <a:buFont typeface="Arial" panose="020B0604020202020204" pitchFamily="34" charset="0"/>
+              <a:buChar char="•"/>
+            </a:pPr>
+            <a:r>
+              <a:rPr lang="en-US" altLang="ko-KR" dirty="0">
+                <a:latin typeface="나눔바른고딕" panose="020B0603020101020101" pitchFamily="50" charset="-127"/>
+                <a:ea typeface="나눔바른고딕" panose="020B0603020101020101" pitchFamily="50" charset="-127"/>
+              </a:rPr>
+              <a:t>N Class</a:t>
+            </a:r>
+            <a:r>
+              <a:rPr lang="ko-KR" altLang="en-US" dirty="0">
+                <a:latin typeface="나눔바른고딕" panose="020B0603020101020101" pitchFamily="50" charset="-127"/>
+                <a:ea typeface="나눔바른고딕" panose="020B0603020101020101" pitchFamily="50" charset="-127"/>
+              </a:rPr>
+              <a:t>의 특징이 시간</a:t>
+            </a:r>
+            <a:r>
+              <a:rPr lang="en-US" altLang="ko-KR" dirty="0">
+                <a:latin typeface="나눔바른고딕" panose="020B0603020101020101" pitchFamily="50" charset="-127"/>
+                <a:ea typeface="나눔바른고딕" panose="020B0603020101020101" pitchFamily="50" charset="-127"/>
+              </a:rPr>
+              <a:t>, </a:t>
+            </a:r>
+            <a:r>
+              <a:rPr lang="ko-KR" altLang="en-US" dirty="0">
+                <a:latin typeface="나눔바른고딕" panose="020B0603020101020101" pitchFamily="50" charset="-127"/>
+                <a:ea typeface="나눔바른고딕" panose="020B0603020101020101" pitchFamily="50" charset="-127"/>
+              </a:rPr>
+              <a:t>하드웨어 등의 이유로 변화함 </a:t>
+            </a:r>
+            <a:endParaRPr lang="en-US" altLang="ko-KR" dirty="0">
+              <a:latin typeface="나눔바른고딕" panose="020B0603020101020101" pitchFamily="50" charset="-127"/>
+              <a:ea typeface="나눔바른고딕" panose="020B0603020101020101" pitchFamily="50" charset="-127"/>
+            </a:endParaRPr>
+          </a:p>
+          <a:p>
+            <a:pPr marL="1657350" lvl="3" indent="-285750">
+              <a:buFont typeface="Arial" panose="020B0604020202020204" pitchFamily="34" charset="0"/>
+              <a:buChar char="•"/>
+            </a:pPr>
+            <a:r>
+              <a:rPr lang="en-US" altLang="ko-KR" dirty="0">
+                <a:latin typeface="나눔바른고딕" panose="020B0603020101020101" pitchFamily="50" charset="-127"/>
+                <a:ea typeface="나눔바른고딕" panose="020B0603020101020101" pitchFamily="50" charset="-127"/>
+              </a:rPr>
+              <a:t>Ex)- N Class</a:t>
+            </a:r>
+            <a:r>
+              <a:rPr lang="ko-KR" altLang="en-US" dirty="0">
+                <a:latin typeface="나눔바른고딕" panose="020B0603020101020101" pitchFamily="50" charset="-127"/>
+                <a:ea typeface="나눔바른고딕" panose="020B0603020101020101" pitchFamily="50" charset="-127"/>
+              </a:rPr>
+              <a:t>의 평균과 분산이</a:t>
+            </a:r>
+            <a:r>
+              <a:rPr lang="en-US" altLang="ko-KR" dirty="0">
+                <a:latin typeface="나눔바른고딕" panose="020B0603020101020101" pitchFamily="50" charset="-127"/>
+                <a:ea typeface="나눔바른고딕" panose="020B0603020101020101" pitchFamily="50" charset="-127"/>
+              </a:rPr>
+              <a:t> </a:t>
+            </a:r>
+            <a:r>
+              <a:rPr lang="ko-KR" altLang="en-US" dirty="0">
+                <a:latin typeface="나눔바른고딕" panose="020B0603020101020101" pitchFamily="50" charset="-127"/>
+                <a:ea typeface="나눔바른고딕" panose="020B0603020101020101" pitchFamily="50" charset="-127"/>
+              </a:rPr>
+              <a:t>이전과 달라짐</a:t>
             </a:r>
             <a:endParaRPr lang="en-US" altLang="ko-KR" dirty="0">
               <a:latin typeface="나눔바른고딕" panose="020B0603020101020101" pitchFamily="50" charset="-127"/>
@@ -11009,20 +10956,102 @@
             </a:endParaRPr>
           </a:p>
           <a:p>
-            <a:pPr marL="285750" indent="-285750">
+            <a:pPr marL="1200150" lvl="2" indent="-285750">
               <a:buFont typeface="Arial" panose="020B0604020202020204" pitchFamily="34" charset="0"/>
               <a:buChar char="•"/>
             </a:pPr>
+            <a:r>
+              <a:rPr lang="ko-KR" altLang="en-US" dirty="0" err="1">
+                <a:latin typeface="나눔바른고딕" panose="020B0603020101020101" pitchFamily="50" charset="-127"/>
+                <a:ea typeface="나눔바른고딕" panose="020B0603020101020101" pitchFamily="50" charset="-127"/>
+              </a:rPr>
+              <a:t>Prior</a:t>
+            </a:r>
+            <a:r>
+              <a:rPr lang="ko-KR" altLang="en-US" dirty="0">
+                <a:latin typeface="나눔바른고딕" panose="020B0603020101020101" pitchFamily="50" charset="-127"/>
+                <a:ea typeface="나눔바른고딕" panose="020B0603020101020101" pitchFamily="50" charset="-127"/>
+              </a:rPr>
+              <a:t> </a:t>
+            </a:r>
+            <a:r>
+              <a:rPr lang="ko-KR" altLang="en-US" dirty="0" err="1">
+                <a:latin typeface="나눔바른고딕" panose="020B0603020101020101" pitchFamily="50" charset="-127"/>
+                <a:ea typeface="나눔바른고딕" panose="020B0603020101020101" pitchFamily="50" charset="-127"/>
+              </a:rPr>
+              <a:t>probability</a:t>
+            </a:r>
+            <a:r>
+              <a:rPr lang="ko-KR" altLang="en-US" dirty="0">
+                <a:latin typeface="나눔바른고딕" panose="020B0603020101020101" pitchFamily="50" charset="-127"/>
+                <a:ea typeface="나눔바른고딕" panose="020B0603020101020101" pitchFamily="50" charset="-127"/>
+              </a:rPr>
+              <a:t> </a:t>
+            </a:r>
+            <a:r>
+              <a:rPr lang="ko-KR" altLang="en-US" dirty="0" err="1">
+                <a:latin typeface="나눔바른고딕" panose="020B0603020101020101" pitchFamily="50" charset="-127"/>
+                <a:ea typeface="나눔바른고딕" panose="020B0603020101020101" pitchFamily="50" charset="-127"/>
+              </a:rPr>
+              <a:t>shift</a:t>
+            </a:r>
+            <a:r>
+              <a:rPr lang="ko-KR" altLang="en-US" dirty="0">
+                <a:latin typeface="나눔바른고딕" panose="020B0603020101020101" pitchFamily="50" charset="-127"/>
+                <a:ea typeface="나눔바른고딕" panose="020B0603020101020101" pitchFamily="50" charset="-127"/>
+              </a:rPr>
+              <a:t> </a:t>
+            </a:r>
+            <a:r>
+              <a:rPr lang="en-US" altLang="ko-KR" dirty="0">
+                <a:latin typeface="나눔바른고딕" panose="020B0603020101020101" pitchFamily="50" charset="-127"/>
+                <a:ea typeface="나눔바른고딕" panose="020B0603020101020101" pitchFamily="50" charset="-127"/>
+              </a:rPr>
+              <a:t>: Label variable Y</a:t>
+            </a:r>
+            <a:r>
+              <a:rPr lang="ko-KR" altLang="en-US" dirty="0">
+                <a:latin typeface="나눔바른고딕" panose="020B0603020101020101" pitchFamily="50" charset="-127"/>
+                <a:ea typeface="나눔바른고딕" panose="020B0603020101020101" pitchFamily="50" charset="-127"/>
+              </a:rPr>
+              <a:t>의 분포가 바뀐 것 </a:t>
+            </a:r>
             <a:endParaRPr lang="en-US" altLang="ko-KR" dirty="0">
               <a:latin typeface="나눔바른고딕" panose="020B0603020101020101" pitchFamily="50" charset="-127"/>
               <a:ea typeface="나눔바른고딕" panose="020B0603020101020101" pitchFamily="50" charset="-127"/>
             </a:endParaRPr>
           </a:p>
           <a:p>
-            <a:pPr marL="285750" indent="-285750">
+            <a:pPr marL="1657350" lvl="3" indent="-285750">
               <a:buFont typeface="Arial" panose="020B0604020202020204" pitchFamily="34" charset="0"/>
               <a:buChar char="•"/>
             </a:pPr>
+            <a:r>
+              <a:rPr lang="ko-KR" altLang="en-US" dirty="0">
+                <a:latin typeface="나눔바른고딕" panose="020B0603020101020101" pitchFamily="50" charset="-127"/>
+                <a:ea typeface="나눔바른고딕" panose="020B0603020101020101" pitchFamily="50" charset="-127"/>
+              </a:rPr>
+              <a:t>전체 데이터 셋에서 클래스별 구성 비율이 바뀐 것 </a:t>
+            </a:r>
+            <a:endParaRPr lang="en-US" altLang="ko-KR" dirty="0">
+              <a:latin typeface="나눔바른고딕" panose="020B0603020101020101" pitchFamily="50" charset="-127"/>
+              <a:ea typeface="나눔바른고딕" panose="020B0603020101020101" pitchFamily="50" charset="-127"/>
+            </a:endParaRPr>
+          </a:p>
+          <a:p>
+            <a:pPr marL="1657350" lvl="3" indent="-285750">
+              <a:buFont typeface="Arial" panose="020B0604020202020204" pitchFamily="34" charset="0"/>
+              <a:buChar char="•"/>
+            </a:pPr>
+            <a:r>
+              <a:rPr lang="en-US" altLang="ko-KR" dirty="0">
+                <a:latin typeface="나눔바른고딕" panose="020B0603020101020101" pitchFamily="50" charset="-127"/>
+                <a:ea typeface="나눔바른고딕" panose="020B0603020101020101" pitchFamily="50" charset="-127"/>
+              </a:rPr>
+              <a:t>Ex)- N 34% / D 33% / M 33% =&gt; N 97% / D 2% / M 1%</a:t>
+            </a:r>
+          </a:p>
+          <a:p>
             <a:endParaRPr lang="ko-KR" altLang="en-US" dirty="0">
               <a:latin typeface="나눔바른고딕" panose="020B0603020101020101" pitchFamily="50" charset="-127"/>
               <a:ea typeface="나눔바른고딕" panose="020B0603020101020101" pitchFamily="50" charset="-127"/>
@@ -11038,7 +11067,7 @@
                 <a:latin typeface="나눔바른고딕" panose="020B0603020101020101" pitchFamily="50" charset="-127"/>
                 <a:ea typeface="나눔바른고딕" panose="020B0603020101020101" pitchFamily="50" charset="-127"/>
               </a:rPr>
-              <a:t>Prior</a:t>
+              <a:t>Concept</a:t>
             </a:r>
             <a:r>
               <a:rPr lang="ko-KR" altLang="en-US" dirty="0">
@@ -11052,7 +11081,7 @@
                 <a:latin typeface="나눔바른고딕" panose="020B0603020101020101" pitchFamily="50" charset="-127"/>
                 <a:ea typeface="나눔바른고딕" panose="020B0603020101020101" pitchFamily="50" charset="-127"/>
               </a:rPr>
-              <a:t>probability</a:t>
+              <a:t>shift</a:t>
             </a:r>
             <a:r>
               <a:rPr lang="ko-KR" altLang="en-US" dirty="0">
@@ -11062,18 +11091,32 @@
               <a:t> </a:t>
             </a:r>
             <a:r>
-              <a:rPr lang="ko-KR" altLang="en-US" dirty="0" err="1">
-                <a:latin typeface="나눔바른고딕" panose="020B0603020101020101" pitchFamily="50" charset="-127"/>
-                <a:ea typeface="나눔바른고딕" panose="020B0603020101020101" pitchFamily="50" charset="-127"/>
-              </a:rPr>
-              <a:t>shift</a:t>
+              <a:rPr lang="en-US" altLang="ko-KR" dirty="0">
+                <a:latin typeface="나눔바른고딕" panose="020B0603020101020101" pitchFamily="50" charset="-127"/>
+                <a:ea typeface="나눔바른고딕" panose="020B0603020101020101" pitchFamily="50" charset="-127"/>
+              </a:rPr>
+              <a:t>: X</a:t>
             </a:r>
             <a:r>
               <a:rPr lang="ko-KR" altLang="en-US" dirty="0">
                 <a:latin typeface="나눔바른고딕" panose="020B0603020101020101" pitchFamily="50" charset="-127"/>
                 <a:ea typeface="나눔바른고딕" panose="020B0603020101020101" pitchFamily="50" charset="-127"/>
               </a:rPr>
-              <a:t> </a:t>
+              <a:t>와 </a:t>
+            </a:r>
+            <a:r>
+              <a:rPr lang="en-US" altLang="ko-KR" dirty="0">
+                <a:latin typeface="나눔바른고딕" panose="020B0603020101020101" pitchFamily="50" charset="-127"/>
+                <a:ea typeface="나눔바른고딕" panose="020B0603020101020101" pitchFamily="50" charset="-127"/>
+              </a:rPr>
+              <a:t>Y</a:t>
+            </a:r>
+            <a:r>
+              <a:rPr lang="ko-KR" altLang="en-US" dirty="0">
+                <a:latin typeface="나눔바른고딕" panose="020B0603020101020101" pitchFamily="50" charset="-127"/>
+                <a:ea typeface="나눔바른고딕" panose="020B0603020101020101" pitchFamily="50" charset="-127"/>
+              </a:rPr>
+              <a:t>의 관계 비율이 바뀐 것 </a:t>
             </a:r>
             <a:endParaRPr lang="en-US" altLang="ko-KR" dirty="0">
               <a:latin typeface="나눔바른고딕" panose="020B0603020101020101" pitchFamily="50" charset="-127"/>
@@ -11081,164 +11124,148 @@
             </a:endParaRPr>
           </a:p>
           <a:p>
-            <a:pPr marL="285750" indent="-285750">
+            <a:pPr marL="1657350" lvl="3" indent="-285750">
               <a:buFont typeface="Arial" panose="020B0604020202020204" pitchFamily="34" charset="0"/>
               <a:buChar char="•"/>
             </a:pPr>
+            <a:r>
+              <a:rPr lang="en-US" altLang="ko-KR" dirty="0">
+                <a:latin typeface="나눔바른고딕" panose="020B0603020101020101" pitchFamily="50" charset="-127"/>
+                <a:ea typeface="나눔바른고딕" panose="020B0603020101020101" pitchFamily="50" charset="-127"/>
+              </a:rPr>
+              <a:t>X</a:t>
+            </a:r>
+            <a:r>
+              <a:rPr lang="ko-KR" altLang="en-US" dirty="0">
+                <a:latin typeface="나눔바른고딕" panose="020B0603020101020101" pitchFamily="50" charset="-127"/>
+                <a:ea typeface="나눔바른고딕" panose="020B0603020101020101" pitchFamily="50" charset="-127"/>
+              </a:rPr>
+              <a:t>와 </a:t>
+            </a:r>
+            <a:r>
+              <a:rPr lang="en-US" altLang="ko-KR" dirty="0">
+                <a:latin typeface="나눔바른고딕" panose="020B0603020101020101" pitchFamily="50" charset="-127"/>
+                <a:ea typeface="나눔바른고딕" panose="020B0603020101020101" pitchFamily="50" charset="-127"/>
+              </a:rPr>
+              <a:t>Y</a:t>
+            </a:r>
+            <a:r>
+              <a:rPr lang="ko-KR" altLang="en-US" dirty="0">
+                <a:latin typeface="나눔바른고딕" panose="020B0603020101020101" pitchFamily="50" charset="-127"/>
+                <a:ea typeface="나눔바른고딕" panose="020B0603020101020101" pitchFamily="50" charset="-127"/>
+              </a:rPr>
+              <a:t>의 관계 양상 자체가 바뀐 것</a:t>
+            </a:r>
             <a:endParaRPr lang="en-US" altLang="ko-KR" dirty="0">
               <a:latin typeface="나눔바른고딕" panose="020B0603020101020101" pitchFamily="50" charset="-127"/>
               <a:ea typeface="나눔바른고딕" panose="020B0603020101020101" pitchFamily="50" charset="-127"/>
             </a:endParaRPr>
           </a:p>
           <a:p>
-            <a:pPr marL="285750" indent="-285750">
+            <a:pPr marL="1657350" lvl="3" indent="-285750">
               <a:buFont typeface="Arial" panose="020B0604020202020204" pitchFamily="34" charset="0"/>
               <a:buChar char="•"/>
             </a:pPr>
-            <a:endParaRPr lang="en-US" altLang="ko-KR" dirty="0">
-              <a:latin typeface="나눔바른고딕" panose="020B0603020101020101" pitchFamily="50" charset="-127"/>
-              <a:ea typeface="나눔바른고딕" panose="020B0603020101020101" pitchFamily="50" charset="-127"/>
-            </a:endParaRPr>
-          </a:p>
-          <a:p>
-            <a:pPr marL="285750" indent="-285750">
-              <a:buFont typeface="Arial" panose="020B0604020202020204" pitchFamily="34" charset="0"/>
-              <a:buChar char="•"/>
-            </a:pPr>
+            <a:r>
+              <a:rPr lang="en-US" altLang="ko-KR" dirty="0">
+                <a:latin typeface="나눔바른고딕" panose="020B0603020101020101" pitchFamily="50" charset="-127"/>
+                <a:ea typeface="나눔바른고딕" panose="020B0603020101020101" pitchFamily="50" charset="-127"/>
+              </a:rPr>
+              <a:t>Ex)- N</a:t>
+            </a:r>
+            <a:r>
+              <a:rPr lang="ko-KR" altLang="en-US" dirty="0">
+                <a:latin typeface="나눔바른고딕" panose="020B0603020101020101" pitchFamily="50" charset="-127"/>
+                <a:ea typeface="나눔바른고딕" panose="020B0603020101020101" pitchFamily="50" charset="-127"/>
+              </a:rPr>
+              <a:t> </a:t>
+            </a:r>
+            <a:r>
+              <a:rPr lang="en-US" altLang="ko-KR" dirty="0">
+                <a:latin typeface="나눔바른고딕" panose="020B0603020101020101" pitchFamily="50" charset="-127"/>
+                <a:ea typeface="나눔바른고딕" panose="020B0603020101020101" pitchFamily="50" charset="-127"/>
+              </a:rPr>
+              <a:t>Class</a:t>
+            </a:r>
+            <a:r>
+              <a:rPr lang="ko-KR" altLang="en-US" dirty="0">
+                <a:latin typeface="나눔바른고딕" panose="020B0603020101020101" pitchFamily="50" charset="-127"/>
+                <a:ea typeface="나눔바른고딕" panose="020B0603020101020101" pitchFamily="50" charset="-127"/>
+              </a:rPr>
+              <a:t>의 특징을 갖추면 과거에는 </a:t>
+            </a:r>
+            <a:r>
+              <a:rPr lang="en-US" altLang="ko-KR" dirty="0">
+                <a:latin typeface="나눔바른고딕" panose="020B0603020101020101" pitchFamily="50" charset="-127"/>
+                <a:ea typeface="나눔바른고딕" panose="020B0603020101020101" pitchFamily="50" charset="-127"/>
+              </a:rPr>
+              <a:t>97% </a:t>
+            </a:r>
+            <a:r>
+              <a:rPr lang="ko-KR" altLang="en-US" dirty="0">
+                <a:latin typeface="나눔바른고딕" panose="020B0603020101020101" pitchFamily="50" charset="-127"/>
+                <a:ea typeface="나눔바른고딕" panose="020B0603020101020101" pitchFamily="50" charset="-127"/>
+              </a:rPr>
+              <a:t>확률로</a:t>
+            </a:r>
+            <a:r>
+              <a:rPr lang="en-US" altLang="ko-KR" dirty="0">
+                <a:latin typeface="나눔바른고딕" panose="020B0603020101020101" pitchFamily="50" charset="-127"/>
+                <a:ea typeface="나눔바른고딕" panose="020B0603020101020101" pitchFamily="50" charset="-127"/>
+              </a:rPr>
+              <a:t> N Class</a:t>
+            </a:r>
+            <a:r>
+              <a:rPr lang="ko-KR" altLang="en-US" dirty="0">
+                <a:latin typeface="나눔바른고딕" panose="020B0603020101020101" pitchFamily="50" charset="-127"/>
+                <a:ea typeface="나눔바른고딕" panose="020B0603020101020101" pitchFamily="50" charset="-127"/>
+              </a:rPr>
+              <a:t>에 속하는데</a:t>
+            </a:r>
+            <a:r>
+              <a:rPr lang="en-US" altLang="ko-KR" dirty="0">
+                <a:latin typeface="나눔바른고딕" panose="020B0603020101020101" pitchFamily="50" charset="-127"/>
+                <a:ea typeface="나눔바른고딕" panose="020B0603020101020101" pitchFamily="50" charset="-127"/>
+              </a:rPr>
+              <a:t>, </a:t>
+            </a:r>
+            <a:r>
+              <a:rPr lang="ko-KR" altLang="en-US" dirty="0">
+                <a:latin typeface="나눔바른고딕" panose="020B0603020101020101" pitchFamily="50" charset="-127"/>
+                <a:ea typeface="나눔바른고딕" panose="020B0603020101020101" pitchFamily="50" charset="-127"/>
+              </a:rPr>
+              <a:t>이젠 </a:t>
+            </a:r>
+            <a:r>
+              <a:rPr lang="en-US" altLang="ko-KR" dirty="0">
+                <a:latin typeface="나눔바른고딕" panose="020B0603020101020101" pitchFamily="50" charset="-127"/>
+                <a:ea typeface="나눔바른고딕" panose="020B0603020101020101" pitchFamily="50" charset="-127"/>
+              </a:rPr>
+              <a:t>90% </a:t>
+            </a:r>
+            <a:r>
+              <a:rPr lang="ko-KR" altLang="en-US" dirty="0">
+                <a:latin typeface="나눔바른고딕" panose="020B0603020101020101" pitchFamily="50" charset="-127"/>
+                <a:ea typeface="나눔바른고딕" panose="020B0603020101020101" pitchFamily="50" charset="-127"/>
+              </a:rPr>
+              <a:t>임</a:t>
+            </a:r>
+            <a:r>
+              <a:rPr lang="en-US" altLang="ko-KR" dirty="0">
+                <a:latin typeface="나눔바른고딕" panose="020B0603020101020101" pitchFamily="50" charset="-127"/>
+                <a:ea typeface="나눔바른고딕" panose="020B0603020101020101" pitchFamily="50" charset="-127"/>
+              </a:rPr>
+              <a:t>. </a:t>
+            </a:r>
+          </a:p>
+          <a:p>
             <a:endParaRPr lang="ko-KR" altLang="en-US" dirty="0">
               <a:latin typeface="나눔바른고딕" panose="020B0603020101020101" pitchFamily="50" charset="-127"/>
               <a:ea typeface="나눔바른고딕" panose="020B0603020101020101" pitchFamily="50" charset="-127"/>
             </a:endParaRPr>
           </a:p>
-          <a:p>
-            <a:pPr marL="1200150" lvl="2" indent="-285750">
-              <a:buFont typeface="Arial" panose="020B0604020202020204" pitchFamily="34" charset="0"/>
-              <a:buChar char="•"/>
-            </a:pPr>
-            <a:r>
-              <a:rPr lang="ko-KR" altLang="en-US" dirty="0" err="1">
-                <a:latin typeface="나눔바른고딕" panose="020B0603020101020101" pitchFamily="50" charset="-127"/>
-                <a:ea typeface="나눔바른고딕" panose="020B0603020101020101" pitchFamily="50" charset="-127"/>
-              </a:rPr>
-              <a:t>Concept</a:t>
-            </a:r>
-            <a:r>
-              <a:rPr lang="ko-KR" altLang="en-US" dirty="0">
-                <a:latin typeface="나눔바른고딕" panose="020B0603020101020101" pitchFamily="50" charset="-127"/>
-                <a:ea typeface="나눔바른고딕" panose="020B0603020101020101" pitchFamily="50" charset="-127"/>
-              </a:rPr>
-              <a:t> </a:t>
-            </a:r>
-            <a:r>
-              <a:rPr lang="ko-KR" altLang="en-US" dirty="0" err="1">
-                <a:latin typeface="나눔바른고딕" panose="020B0603020101020101" pitchFamily="50" charset="-127"/>
-                <a:ea typeface="나눔바른고딕" panose="020B0603020101020101" pitchFamily="50" charset="-127"/>
-              </a:rPr>
-              <a:t>shift</a:t>
-            </a:r>
-            <a:endParaRPr lang="en-US" altLang="ko-KR" dirty="0">
-              <a:latin typeface="나눔바른고딕" panose="020B0603020101020101" pitchFamily="50" charset="-127"/>
-              <a:ea typeface="나눔바른고딕" panose="020B0603020101020101" pitchFamily="50" charset="-127"/>
-            </a:endParaRPr>
-          </a:p>
-          <a:p>
-            <a:endParaRPr lang="ko-KR" altLang="en-US" dirty="0">
-              <a:latin typeface="나눔바른고딕" panose="020B0603020101020101" pitchFamily="50" charset="-127"/>
-              <a:ea typeface="나눔바른고딕" panose="020B0603020101020101" pitchFamily="50" charset="-127"/>
-            </a:endParaRPr>
-          </a:p>
         </p:txBody>
       </p:sp>
-      <p:pic>
-        <p:nvPicPr>
-          <p:cNvPr id="21" name="그림 20">
-            <a:extLst>
-              <a:ext uri="{FF2B5EF4-FFF2-40B4-BE49-F238E27FC236}">
-                <a16:creationId xmlns:a16="http://schemas.microsoft.com/office/drawing/2014/main" id="{BFA1394C-889C-4935-B341-49DCA47B0B58}"/>
-              </a:ext>
-            </a:extLst>
-          </p:cNvPr>
-          <p:cNvPicPr>
-            <a:picLocks noChangeAspect="1"/>
-          </p:cNvPicPr>
-          <p:nvPr/>
-        </p:nvPicPr>
-        <p:blipFill>
-          <a:blip r:embed="rId5"/>
-          <a:stretch>
-            <a:fillRect/>
-          </a:stretch>
-        </p:blipFill>
-        <p:spPr>
-          <a:xfrm>
-            <a:off x="1642493" y="3760423"/>
-            <a:ext cx="5353050" cy="590550"/>
-          </a:xfrm>
-          <a:prstGeom prst="rect">
-            <a:avLst/>
-          </a:prstGeom>
-        </p:spPr>
-      </p:pic>
-      <p:pic>
-        <p:nvPicPr>
-          <p:cNvPr id="22" name="그림 21">
-            <a:extLst>
-              <a:ext uri="{FF2B5EF4-FFF2-40B4-BE49-F238E27FC236}">
-                <a16:creationId xmlns:a16="http://schemas.microsoft.com/office/drawing/2014/main" id="{50A7722F-80D9-40D5-AF1B-87A50D5C9BB1}"/>
-              </a:ext>
-            </a:extLst>
-          </p:cNvPr>
-          <p:cNvPicPr>
-            <a:picLocks noChangeAspect="1"/>
-          </p:cNvPicPr>
-          <p:nvPr/>
-        </p:nvPicPr>
-        <p:blipFill>
-          <a:blip r:embed="rId6"/>
-          <a:stretch>
-            <a:fillRect/>
-          </a:stretch>
-        </p:blipFill>
-        <p:spPr>
-          <a:xfrm>
-            <a:off x="1628079" y="4788715"/>
-            <a:ext cx="4905375" cy="1200150"/>
-          </a:xfrm>
-          <a:prstGeom prst="rect">
-            <a:avLst/>
-          </a:prstGeom>
-        </p:spPr>
-      </p:pic>
-      <p:pic>
-        <p:nvPicPr>
-          <p:cNvPr id="23" name="그림 22">
-            <a:extLst>
-              <a:ext uri="{FF2B5EF4-FFF2-40B4-BE49-F238E27FC236}">
-                <a16:creationId xmlns:a16="http://schemas.microsoft.com/office/drawing/2014/main" id="{839529D6-69F2-40D2-B084-EDC5C9109357}"/>
-              </a:ext>
-            </a:extLst>
-          </p:cNvPr>
-          <p:cNvPicPr>
-            <a:picLocks noChangeAspect="1"/>
-          </p:cNvPicPr>
-          <p:nvPr/>
-        </p:nvPicPr>
-        <p:blipFill>
-          <a:blip r:embed="rId7"/>
-          <a:stretch>
-            <a:fillRect/>
-          </a:stretch>
-        </p:blipFill>
-        <p:spPr>
-          <a:xfrm>
-            <a:off x="1628079" y="2631453"/>
-            <a:ext cx="5200650" cy="581025"/>
-          </a:xfrm>
-          <a:prstGeom prst="rect">
-            <a:avLst/>
-          </a:prstGeom>
-        </p:spPr>
-      </p:pic>
       <p:sp>
         <p:nvSpPr>
           <p:cNvPr id="3" name="직사각형 2">
@@ -11253,7 +11280,7 @@
         </p:nvSpPr>
         <p:spPr>
           <a:xfrm>
-            <a:off x="8422384" y="6159777"/>
+            <a:off x="8422384" y="5957013"/>
             <a:ext cx="6096000" cy="338554"/>
           </a:xfrm>
           <a:prstGeom prst="rect">
@@ -11297,36 +11324,6 @@
           </a:p>
         </p:txBody>
       </p:sp>
-      <p:pic>
-        <p:nvPicPr>
-          <p:cNvPr id="24" name="그림 23">
-            <a:extLst>
-              <a:ext uri="{FF2B5EF4-FFF2-40B4-BE49-F238E27FC236}">
-                <a16:creationId xmlns:a16="http://schemas.microsoft.com/office/drawing/2014/main" id="{2E044B8E-26F1-4F22-B1EF-F819170E024E}"/>
-              </a:ext>
-            </a:extLst>
-          </p:cNvPr>
-          <p:cNvPicPr>
-            <a:picLocks noChangeAspect="1"/>
-          </p:cNvPicPr>
-          <p:nvPr/>
-        </p:nvPicPr>
-        <p:blipFill>
-          <a:blip r:embed="rId8"/>
-          <a:stretch>
-            <a:fillRect/>
-          </a:stretch>
-        </p:blipFill>
-        <p:spPr>
-          <a:xfrm>
-            <a:off x="7609860" y="2440019"/>
-            <a:ext cx="3978009" cy="3751986"/>
-          </a:xfrm>
-          <a:prstGeom prst="rect">
-            <a:avLst/>
-          </a:prstGeom>
-        </p:spPr>
-      </p:pic>
       <p:sp>
         <p:nvSpPr>
           <p:cNvPr id="4" name="직사각형 3">
@@ -11341,8 +11338,8 @@
         </p:nvSpPr>
         <p:spPr>
           <a:xfrm>
-            <a:off x="1357379" y="3309475"/>
-            <a:ext cx="5601004" cy="1088283"/>
+            <a:off x="1365728" y="3425825"/>
+            <a:ext cx="6673372" cy="917576"/>
           </a:xfrm>
           <a:prstGeom prst="rect">
             <a:avLst/>
@@ -11376,103 +11373,6 @@
           <a:p>
             <a:pPr algn="ctr"/>
             <a:endParaRPr lang="ko-KR" altLang="en-US" dirty="0"/>
-          </a:p>
-        </p:txBody>
-      </p:sp>
-      <p:cxnSp>
-        <p:nvCxnSpPr>
-          <p:cNvPr id="6" name="직선 화살표 연결선 5">
-            <a:extLst>
-              <a:ext uri="{FF2B5EF4-FFF2-40B4-BE49-F238E27FC236}">
-                <a16:creationId xmlns:a16="http://schemas.microsoft.com/office/drawing/2014/main" id="{3606A819-E342-4378-AD02-3981CE4EBA7F}"/>
-              </a:ext>
-            </a:extLst>
-          </p:cNvPr>
-          <p:cNvCxnSpPr>
-            <a:cxnSpLocks/>
-            <a:stCxn id="4" idx="3"/>
-          </p:cNvCxnSpPr>
-          <p:nvPr/>
-        </p:nvCxnSpPr>
-        <p:spPr>
-          <a:xfrm>
-            <a:off x="6958383" y="3853617"/>
-            <a:ext cx="477536" cy="0"/>
-          </a:xfrm>
-          <a:prstGeom prst="straightConnector1">
-            <a:avLst/>
-          </a:prstGeom>
-          <a:ln w="28575">
-            <a:solidFill>
-              <a:srgbClr val="FF0000"/>
-            </a:solidFill>
-            <a:tailEnd type="triangle"/>
-          </a:ln>
-        </p:spPr>
-        <p:style>
-          <a:lnRef idx="1">
-            <a:schemeClr val="accent1"/>
-          </a:lnRef>
-          <a:fillRef idx="0">
-            <a:schemeClr val="accent1"/>
-          </a:fillRef>
-          <a:effectRef idx="0">
-            <a:schemeClr val="accent1"/>
-          </a:effectRef>
-          <a:fontRef idx="minor">
-            <a:schemeClr val="tx1"/>
-          </a:fontRef>
-        </p:style>
-      </p:cxnSp>
-      <p:sp>
-        <p:nvSpPr>
-          <p:cNvPr id="8" name="직사각형 7">
-            <a:extLst>
-              <a:ext uri="{FF2B5EF4-FFF2-40B4-BE49-F238E27FC236}">
-                <a16:creationId xmlns:a16="http://schemas.microsoft.com/office/drawing/2014/main" id="{7ACB8541-6228-47F5-86B7-1111B62EDCC5}"/>
-              </a:ext>
-            </a:extLst>
-          </p:cNvPr>
-          <p:cNvSpPr/>
-          <p:nvPr/>
-        </p:nvSpPr>
-        <p:spPr>
-          <a:xfrm>
-            <a:off x="7557252" y="2425505"/>
-            <a:ext cx="4117701" cy="3686886"/>
-          </a:xfrm>
-          <a:prstGeom prst="rect">
-            <a:avLst/>
-          </a:prstGeom>
-          <a:noFill/>
-          <a:ln w="28575">
-            <a:solidFill>
-              <a:srgbClr val="FF0000"/>
-            </a:solidFill>
-          </a:ln>
-        </p:spPr>
-        <p:style>
-          <a:lnRef idx="2">
-            <a:schemeClr val="accent1">
-              <a:shade val="50000"/>
-            </a:schemeClr>
-          </a:lnRef>
-          <a:fillRef idx="1">
-            <a:schemeClr val="accent1"/>
-          </a:fillRef>
-          <a:effectRef idx="0">
-            <a:schemeClr val="accent1"/>
-          </a:effectRef>
-          <a:fontRef idx="minor">
-            <a:schemeClr val="lt1"/>
-          </a:fontRef>
-        </p:style>
-        <p:txBody>
-          <a:bodyPr rtlCol="0" anchor="ctr"/>
-          <a:lstStyle/>
-          <a:p>
-            <a:pPr algn="ctr"/>
-            <a:endParaRPr lang="ko-KR" altLang="en-US"/>
           </a:p>
         </p:txBody>
       </p:sp>
